--- a/4_flowchart/flowchart.pptx
+++ b/4_flowchart/flowchart.pptx
@@ -8,7 +8,7 @@
     <p:notesMasterId r:id="rId9"/>
   </p:notesMasterIdLst>
   <p:sldIdLst>
-    <p:sldId id="322" r:id="rId2"/>
+    <p:sldId id="326" r:id="rId2"/>
     <p:sldId id="323" r:id="rId3"/>
     <p:sldId id="324" r:id="rId4"/>
     <p:sldId id="325" r:id="rId5"/>
@@ -265,10 +265,10 @@
   </p:defaultTextStyle>
   <p:extLst>
     <p:ext uri="{EFAFB233-063F-42B5-8137-9DF3F51BA10A}">
-      <p15:sldGuideLst xmlns:p15="http://schemas.microsoft.com/office/powerpoint/2012/main" xmlns=""/>
+      <p15:sldGuideLst xmlns="" xmlns:p15="http://schemas.microsoft.com/office/powerpoint/2012/main"/>
     </p:ext>
     <p:ext uri="http://customooxmlschemas.google.com/">
-      <go:slidesCustomData xmlns:go="http://customooxmlschemas.google.com/" xmlns:ahyp="http://schemas.microsoft.com/office/drawing/2018/hyperlinkcolor" xmlns:p15="http://schemas.microsoft.com/office/powerpoint/2012/main" xmlns:p14="http://schemas.microsoft.com/office/powerpoint/2010/main" xmlns:com="http://schemas.openxmlformats.org/drawingml/2006/compatibility" xmlns:pvml="urn:schemas-microsoft-com:office:powerpoint" xmlns:v="urn:schemas-microsoft-com:vml" xmlns:o="urn:schemas-microsoft-com:office:office" xmlns:dgm="http://schemas.openxmlformats.org/drawingml/2006/diagram" xmlns:c="http://schemas.openxmlformats.org/drawingml/2006/chart" xmlns:mv="urn:schemas-microsoft-com:mac:vml" xmlns:mc="http://schemas.openxmlformats.org/markup-compatibility/2006" xmlns="" r:id="rId71" roundtripDataSignature="AMtx7mjmNCvhfDgD5cVxwQ3x4/volKKtPw=="/>
+      <go:slidesCustomData xmlns="" xmlns:mc="http://schemas.openxmlformats.org/markup-compatibility/2006" xmlns:mv="urn:schemas-microsoft-com:mac:vml" xmlns:c="http://schemas.openxmlformats.org/drawingml/2006/chart" xmlns:dgm="http://schemas.openxmlformats.org/drawingml/2006/diagram" xmlns:o="urn:schemas-microsoft-com:office:office" xmlns:v="urn:schemas-microsoft-com:vml" xmlns:pvml="urn:schemas-microsoft-com:office:powerpoint" xmlns:com="http://schemas.openxmlformats.org/drawingml/2006/compatibility" xmlns:p14="http://schemas.microsoft.com/office/powerpoint/2010/main" xmlns:p15="http://schemas.microsoft.com/office/powerpoint/2012/main" xmlns:ahyp="http://schemas.microsoft.com/office/drawing/2018/hyperlinkcolor" xmlns:go="http://customooxmlschemas.google.com/" r:id="rId71" roundtripDataSignature="AMtx7mjmNCvhfDgD5cVxwQ3x4/volKKtPw=="/>
     </p:ext>
   </p:extLst>
 </p:presentation>
@@ -747,12 +747,7 @@
             <p:ph type="sldImg"/>
           </p:nvPr>
         </p:nvSpPr>
-        <p:spPr>
-          <a:xfrm>
-            <a:off x="381000" y="685800"/>
-            <a:ext cx="6096000" cy="3429000"/>
-          </a:xfrm>
-        </p:spPr>
+        <p:spPr/>
       </p:sp>
       <p:sp>
         <p:nvSpPr>
@@ -776,7 +771,7 @@
     </p:spTree>
     <p:extLst>
       <p:ext uri="{BB962C8B-B14F-4D97-AF65-F5344CB8AC3E}">
-        <p14:creationId xmlns:p14="http://schemas.microsoft.com/office/powerpoint/2010/main" val="3798304061"/>
+        <p14:creationId xmlns:p14="http://schemas.microsoft.com/office/powerpoint/2010/main" val="1121423952"/>
       </p:ext>
     </p:extLst>
   </p:cSld>
@@ -842,7 +837,7 @@
     </p:spTree>
     <p:extLst>
       <p:ext uri="{BB962C8B-B14F-4D97-AF65-F5344CB8AC3E}">
-        <p14:creationId xmlns:p14="http://schemas.microsoft.com/office/powerpoint/2010/main" val="611430502"/>
+        <p14:creationId xmlns:p14="http://schemas.microsoft.com/office/powerpoint/2010/main" val="3798304061"/>
       </p:ext>
     </p:extLst>
   </p:cSld>
@@ -908,7 +903,7 @@
     </p:spTree>
     <p:extLst>
       <p:ext uri="{BB962C8B-B14F-4D97-AF65-F5344CB8AC3E}">
-        <p14:creationId xmlns:p14="http://schemas.microsoft.com/office/powerpoint/2010/main" val="1001501492"/>
+        <p14:creationId xmlns:p14="http://schemas.microsoft.com/office/powerpoint/2010/main" val="611430502"/>
       </p:ext>
     </p:extLst>
   </p:cSld>
@@ -974,6 +969,72 @@
     </p:spTree>
     <p:extLst>
       <p:ext uri="{BB962C8B-B14F-4D97-AF65-F5344CB8AC3E}">
+        <p14:creationId xmlns:p14="http://schemas.microsoft.com/office/powerpoint/2010/main" val="1001501492"/>
+      </p:ext>
+    </p:extLst>
+  </p:cSld>
+  <p:clrMapOvr>
+    <a:masterClrMapping/>
+  </p:clrMapOvr>
+</p:notes>
+</file>
+
+<file path=ppt/notesSlides/notesSlide5.xml><?xml version="1.0" encoding="utf-8"?>
+<p:notes xmlns:a="http://schemas.openxmlformats.org/drawingml/2006/main" xmlns:r="http://schemas.openxmlformats.org/officeDocument/2006/relationships" xmlns:p="http://schemas.openxmlformats.org/presentationml/2006/main">
+  <p:cSld>
+    <p:spTree>
+      <p:nvGrpSpPr>
+        <p:cNvPr id="1" name=""/>
+        <p:cNvGrpSpPr/>
+        <p:nvPr/>
+      </p:nvGrpSpPr>
+      <p:grpSpPr>
+        <a:xfrm>
+          <a:off x="0" y="0"/>
+          <a:ext cx="0" cy="0"/>
+          <a:chOff x="0" y="0"/>
+          <a:chExt cx="0" cy="0"/>
+        </a:xfrm>
+      </p:grpSpPr>
+      <p:sp>
+        <p:nvSpPr>
+          <p:cNvPr id="2" name="Slide Image Placeholder 1"/>
+          <p:cNvSpPr>
+            <a:spLocks noGrp="1" noRot="1" noChangeAspect="1"/>
+          </p:cNvSpPr>
+          <p:nvPr>
+            <p:ph type="sldImg"/>
+          </p:nvPr>
+        </p:nvSpPr>
+        <p:spPr>
+          <a:xfrm>
+            <a:off x="381000" y="685800"/>
+            <a:ext cx="6096000" cy="3429000"/>
+          </a:xfrm>
+        </p:spPr>
+      </p:sp>
+      <p:sp>
+        <p:nvSpPr>
+          <p:cNvPr id="3" name="Notes Placeholder 2"/>
+          <p:cNvSpPr>
+            <a:spLocks noGrp="1"/>
+          </p:cNvSpPr>
+          <p:nvPr>
+            <p:ph type="body" idx="1"/>
+          </p:nvPr>
+        </p:nvSpPr>
+        <p:spPr/>
+        <p:txBody>
+          <a:bodyPr/>
+          <a:lstStyle/>
+          <a:p>
+            <a:endParaRPr lang="en-US" dirty="0"/>
+          </a:p>
+        </p:txBody>
+      </p:sp>
+    </p:spTree>
+    <p:extLst>
+      <p:ext uri="{BB962C8B-B14F-4D97-AF65-F5344CB8AC3E}">
         <p14:creationId xmlns:p14="http://schemas.microsoft.com/office/powerpoint/2010/main" val="49338554"/>
       </p:ext>
     </p:extLst>
@@ -984,7 +1045,7 @@
 </p:notes>
 </file>
 
-<file path=ppt/notesSlides/notesSlide5.xml><?xml version="1.0" encoding="utf-8"?>
+<file path=ppt/notesSlides/notesSlide6.xml><?xml version="1.0" encoding="utf-8"?>
 <p:notes xmlns:a="http://schemas.openxmlformats.org/drawingml/2006/main" xmlns:r="http://schemas.openxmlformats.org/officeDocument/2006/relationships" xmlns:p="http://schemas.openxmlformats.org/presentationml/2006/main">
   <p:cSld>
     <p:spTree>
@@ -4332,6 +4393,35 @@
           <a:chExt cx="0" cy="0"/>
         </a:xfrm>
       </p:grpSpPr>
+      <p:pic>
+        <p:nvPicPr>
+          <p:cNvPr id="35" name="Picture 34"/>
+          <p:cNvPicPr>
+            <a:picLocks noChangeAspect="1"/>
+          </p:cNvPicPr>
+          <p:nvPr/>
+        </p:nvPicPr>
+        <p:blipFill rotWithShape="1">
+          <a:blip r:embed="rId3">
+            <a:extLst>
+              <a:ext uri="{28A0092B-C50C-407E-A947-70E740481C1C}">
+                <a14:useLocalDpi xmlns:a14="http://schemas.microsoft.com/office/drawing/2010/main" val="0"/>
+              </a:ext>
+            </a:extLst>
+          </a:blip>
+          <a:srcRect l="36566" t="77234" r="61117" b="18702"/>
+          <a:stretch/>
+        </p:blipFill>
+        <p:spPr>
+          <a:xfrm>
+            <a:off x="9758330" y="871491"/>
+            <a:ext cx="133159" cy="278722"/>
+          </a:xfrm>
+          <a:prstGeom prst="rect">
+            <a:avLst/>
+          </a:prstGeom>
+        </p:spPr>
+      </p:pic>
       <p:sp>
         <p:nvSpPr>
           <p:cNvPr id="5" name="Google Shape;142;p4"/>
@@ -4340,8 +4430,8 @@
         </p:nvSpPr>
         <p:spPr>
           <a:xfrm rot="10800000">
-            <a:off x="1" y="-5979"/>
-            <a:ext cx="5111087" cy="6932218"/>
+            <a:off x="-4" y="-5981"/>
+            <a:ext cx="5111087" cy="6863981"/>
           </a:xfrm>
           <a:custGeom>
             <a:avLst/>
@@ -4406,34 +4496,187 @@
       </p:sp>
       <p:pic>
         <p:nvPicPr>
-          <p:cNvPr id="4" name="Picture 3"/>
+          <p:cNvPr id="7" name="Picture 2" descr="PlantUML diagram"/>
           <p:cNvPicPr>
-            <a:picLocks noChangeAspect="1"/>
+            <a:picLocks noChangeAspect="1" noChangeArrowheads="1"/>
           </p:cNvPicPr>
           <p:nvPr/>
         </p:nvPicPr>
-        <p:blipFill>
-          <a:blip r:embed="rId2">
+        <p:blipFill rotWithShape="1">
+          <a:blip r:embed="rId4">
             <a:extLst>
               <a:ext uri="{28A0092B-C50C-407E-A947-70E740481C1C}">
                 <a14:useLocalDpi xmlns:a14="http://schemas.microsoft.com/office/drawing/2010/main" val="0"/>
               </a:ext>
             </a:extLst>
           </a:blip>
-          <a:stretch>
-            <a:fillRect/>
-          </a:stretch>
+          <a:srcRect l="30681" t="56370" b="1728"/>
+          <a:stretch/>
         </p:blipFill>
-        <p:spPr>
+        <p:spPr bwMode="auto">
           <a:xfrm>
-            <a:off x="1002633" y="31130"/>
-            <a:ext cx="10951242" cy="6858000"/>
+            <a:off x="6605219" y="1138690"/>
+            <a:ext cx="5586781" cy="5328345"/>
           </a:xfrm>
           <a:prstGeom prst="rect">
             <a:avLst/>
           </a:prstGeom>
+          <a:noFill/>
+          <a:extLst>
+            <a:ext uri="{909E8E84-426E-40DD-AFC4-6F175D3DCCD1}">
+              <a14:hiddenFill xmlns:a14="http://schemas.microsoft.com/office/drawing/2010/main">
+                <a:solidFill>
+                  <a:srgbClr val="FFFFFF"/>
+                </a:solidFill>
+              </a14:hiddenFill>
+            </a:ext>
+          </a:extLst>
         </p:spPr>
       </p:pic>
+      <p:pic>
+        <p:nvPicPr>
+          <p:cNvPr id="1026" name="Picture 2" descr="PlantUML diagram"/>
+          <p:cNvPicPr>
+            <a:picLocks noChangeAspect="1" noChangeArrowheads="1"/>
+          </p:cNvPicPr>
+          <p:nvPr/>
+        </p:nvPicPr>
+        <p:blipFill rotWithShape="1">
+          <a:blip r:embed="rId4">
+            <a:extLst>
+              <a:ext uri="{28A0092B-C50C-407E-A947-70E740481C1C}">
+                <a14:useLocalDpi xmlns:a14="http://schemas.microsoft.com/office/drawing/2010/main" val="0"/>
+              </a:ext>
+            </a:extLst>
+          </a:blip>
+          <a:srcRect r="17790" b="43612"/>
+          <a:stretch/>
+        </p:blipFill>
+        <p:spPr bwMode="auto">
+          <a:xfrm>
+            <a:off x="-1" y="0"/>
+            <a:ext cx="7463572" cy="6467035"/>
+          </a:xfrm>
+          <a:prstGeom prst="rect">
+            <a:avLst/>
+          </a:prstGeom>
+          <a:noFill/>
+          <a:extLst>
+            <a:ext uri="{909E8E84-426E-40DD-AFC4-6F175D3DCCD1}">
+              <a14:hiddenFill xmlns:a14="http://schemas.microsoft.com/office/drawing/2010/main">
+                <a:solidFill>
+                  <a:srgbClr val="FFFFFF"/>
+                </a:solidFill>
+              </a14:hiddenFill>
+            </a:ext>
+          </a:extLst>
+        </p:spPr>
+      </p:pic>
+      <p:cxnSp>
+        <p:nvCxnSpPr>
+          <p:cNvPr id="29" name="Straight Connector 28"/>
+          <p:cNvCxnSpPr/>
+          <p:nvPr/>
+        </p:nvCxnSpPr>
+        <p:spPr>
+          <a:xfrm flipH="1">
+            <a:off x="6404807" y="6467036"/>
+            <a:ext cx="1624263" cy="0"/>
+          </a:xfrm>
+          <a:prstGeom prst="line">
+            <a:avLst/>
+          </a:prstGeom>
+          <a:ln>
+            <a:solidFill>
+              <a:schemeClr val="tx1"/>
+            </a:solidFill>
+          </a:ln>
+        </p:spPr>
+        <p:style>
+          <a:lnRef idx="1">
+            <a:schemeClr val="accent1"/>
+          </a:lnRef>
+          <a:fillRef idx="0">
+            <a:schemeClr val="accent1"/>
+          </a:fillRef>
+          <a:effectRef idx="0">
+            <a:schemeClr val="accent1"/>
+          </a:effectRef>
+          <a:fontRef idx="minor">
+            <a:schemeClr val="tx1"/>
+          </a:fontRef>
+        </p:style>
+      </p:cxnSp>
+      <p:cxnSp>
+        <p:nvCxnSpPr>
+          <p:cNvPr id="33" name="Straight Connector 32"/>
+          <p:cNvCxnSpPr/>
+          <p:nvPr/>
+        </p:nvCxnSpPr>
+        <p:spPr>
+          <a:xfrm>
+            <a:off x="1875233" y="3709988"/>
+            <a:ext cx="0" cy="2897965"/>
+          </a:xfrm>
+          <a:prstGeom prst="line">
+            <a:avLst/>
+          </a:prstGeom>
+          <a:ln>
+            <a:solidFill>
+              <a:schemeClr val="tx1"/>
+            </a:solidFill>
+          </a:ln>
+        </p:spPr>
+        <p:style>
+          <a:lnRef idx="1">
+            <a:schemeClr val="accent1"/>
+          </a:lnRef>
+          <a:fillRef idx="0">
+            <a:schemeClr val="accent1"/>
+          </a:fillRef>
+          <a:effectRef idx="0">
+            <a:schemeClr val="accent1"/>
+          </a:effectRef>
+          <a:fontRef idx="minor">
+            <a:schemeClr val="tx1"/>
+          </a:fontRef>
+        </p:style>
+      </p:cxnSp>
+      <p:cxnSp>
+        <p:nvCxnSpPr>
+          <p:cNvPr id="24" name="Straight Connector 23"/>
+          <p:cNvCxnSpPr/>
+          <p:nvPr/>
+        </p:nvCxnSpPr>
+        <p:spPr>
+          <a:xfrm flipH="1" flipV="1">
+            <a:off x="8003004" y="871490"/>
+            <a:ext cx="26068" cy="2859929"/>
+          </a:xfrm>
+          <a:prstGeom prst="line">
+            <a:avLst/>
+          </a:prstGeom>
+          <a:ln>
+            <a:solidFill>
+              <a:schemeClr val="tx1"/>
+            </a:solidFill>
+          </a:ln>
+        </p:spPr>
+        <p:style>
+          <a:lnRef idx="1">
+            <a:schemeClr val="accent1"/>
+          </a:lnRef>
+          <a:fillRef idx="0">
+            <a:schemeClr val="accent1"/>
+          </a:fillRef>
+          <a:effectRef idx="0">
+            <a:schemeClr val="accent1"/>
+          </a:effectRef>
+          <a:fontRef idx="minor">
+            <a:schemeClr val="tx1"/>
+          </a:fontRef>
+        </p:style>
+      </p:cxnSp>
       <p:sp>
         <p:nvSpPr>
           <p:cNvPr id="6" name="TextBox 5"/>
@@ -4469,10 +4712,294 @@
           </a:p>
         </p:txBody>
       </p:sp>
+      <p:cxnSp>
+        <p:nvCxnSpPr>
+          <p:cNvPr id="41" name="Straight Connector 40"/>
+          <p:cNvCxnSpPr/>
+          <p:nvPr/>
+        </p:nvCxnSpPr>
+        <p:spPr>
+          <a:xfrm flipV="1">
+            <a:off x="8029070" y="4014788"/>
+            <a:ext cx="2" cy="2452251"/>
+          </a:xfrm>
+          <a:prstGeom prst="line">
+            <a:avLst/>
+          </a:prstGeom>
+          <a:ln>
+            <a:solidFill>
+              <a:schemeClr val="tx1"/>
+            </a:solidFill>
+          </a:ln>
+        </p:spPr>
+        <p:style>
+          <a:lnRef idx="1">
+            <a:schemeClr val="accent1"/>
+          </a:lnRef>
+          <a:fillRef idx="0">
+            <a:schemeClr val="accent1"/>
+          </a:fillRef>
+          <a:effectRef idx="0">
+            <a:schemeClr val="accent1"/>
+          </a:effectRef>
+          <a:fontRef idx="minor">
+            <a:schemeClr val="tx1"/>
+          </a:fontRef>
+        </p:style>
+      </p:cxnSp>
+      <p:pic>
+        <p:nvPicPr>
+          <p:cNvPr id="50" name="Picture 2" descr="PlantUML diagram"/>
+          <p:cNvPicPr>
+            <a:picLocks noChangeAspect="1" noChangeArrowheads="1"/>
+          </p:cNvPicPr>
+          <p:nvPr/>
+        </p:nvPicPr>
+        <p:blipFill rotWithShape="1">
+          <a:blip r:embed="rId4">
+            <a:extLst>
+              <a:ext uri="{28A0092B-C50C-407E-A947-70E740481C1C}">
+                <a14:useLocalDpi xmlns:a14="http://schemas.microsoft.com/office/drawing/2010/main" val="0"/>
+              </a:ext>
+            </a:extLst>
+          </a:blip>
+          <a:srcRect l="57153" t="97636" r="22992" b="590"/>
+          <a:stretch/>
+        </p:blipFill>
+        <p:spPr bwMode="auto">
+          <a:xfrm>
+            <a:off x="3209924" y="6660366"/>
+            <a:ext cx="1600201" cy="197634"/>
+          </a:xfrm>
+          <a:prstGeom prst="rect">
+            <a:avLst/>
+          </a:prstGeom>
+          <a:noFill/>
+          <a:extLst>
+            <a:ext uri="{909E8E84-426E-40DD-AFC4-6F175D3DCCD1}">
+              <a14:hiddenFill xmlns:a14="http://schemas.microsoft.com/office/drawing/2010/main">
+                <a:solidFill>
+                  <a:srgbClr val="FFFFFF"/>
+                </a:solidFill>
+              </a14:hiddenFill>
+            </a:ext>
+          </a:extLst>
+        </p:spPr>
+      </p:pic>
+      <p:cxnSp>
+        <p:nvCxnSpPr>
+          <p:cNvPr id="51" name="Straight Connector 50"/>
+          <p:cNvCxnSpPr/>
+          <p:nvPr/>
+        </p:nvCxnSpPr>
+        <p:spPr>
+          <a:xfrm flipH="1">
+            <a:off x="1875233" y="6607953"/>
+            <a:ext cx="2337197" cy="0"/>
+          </a:xfrm>
+          <a:prstGeom prst="line">
+            <a:avLst/>
+          </a:prstGeom>
+          <a:ln>
+            <a:solidFill>
+              <a:schemeClr val="tx1"/>
+            </a:solidFill>
+          </a:ln>
+        </p:spPr>
+        <p:style>
+          <a:lnRef idx="1">
+            <a:schemeClr val="accent1"/>
+          </a:lnRef>
+          <a:fillRef idx="0">
+            <a:schemeClr val="accent1"/>
+          </a:fillRef>
+          <a:effectRef idx="0">
+            <a:schemeClr val="accent1"/>
+          </a:effectRef>
+          <a:fontRef idx="minor">
+            <a:schemeClr val="tx1"/>
+          </a:fontRef>
+        </p:style>
+      </p:cxnSp>
+      <p:cxnSp>
+        <p:nvCxnSpPr>
+          <p:cNvPr id="57" name="Straight Connector 56"/>
+          <p:cNvCxnSpPr/>
+          <p:nvPr/>
+        </p:nvCxnSpPr>
+        <p:spPr>
+          <a:xfrm flipH="1">
+            <a:off x="4363452" y="6607953"/>
+            <a:ext cx="5466285" cy="0"/>
+          </a:xfrm>
+          <a:prstGeom prst="line">
+            <a:avLst/>
+          </a:prstGeom>
+          <a:ln>
+            <a:solidFill>
+              <a:schemeClr val="tx1"/>
+            </a:solidFill>
+          </a:ln>
+        </p:spPr>
+        <p:style>
+          <a:lnRef idx="1">
+            <a:schemeClr val="accent1"/>
+          </a:lnRef>
+          <a:fillRef idx="0">
+            <a:schemeClr val="accent1"/>
+          </a:fillRef>
+          <a:effectRef idx="0">
+            <a:schemeClr val="accent1"/>
+          </a:effectRef>
+          <a:fontRef idx="minor">
+            <a:schemeClr val="tx1"/>
+          </a:fontRef>
+        </p:style>
+      </p:cxnSp>
+      <p:cxnSp>
+        <p:nvCxnSpPr>
+          <p:cNvPr id="74" name="Straight Connector 73"/>
+          <p:cNvCxnSpPr/>
+          <p:nvPr/>
+        </p:nvCxnSpPr>
+        <p:spPr>
+          <a:xfrm>
+            <a:off x="4299160" y="6607953"/>
+            <a:ext cx="0" cy="104826"/>
+          </a:xfrm>
+          <a:prstGeom prst="line">
+            <a:avLst/>
+          </a:prstGeom>
+          <a:ln>
+            <a:solidFill>
+              <a:schemeClr val="tx1"/>
+            </a:solidFill>
+          </a:ln>
+        </p:spPr>
+        <p:style>
+          <a:lnRef idx="1">
+            <a:schemeClr val="accent1"/>
+          </a:lnRef>
+          <a:fillRef idx="0">
+            <a:schemeClr val="accent1"/>
+          </a:fillRef>
+          <a:effectRef idx="0">
+            <a:schemeClr val="accent1"/>
+          </a:effectRef>
+          <a:fontRef idx="minor">
+            <a:schemeClr val="tx1"/>
+          </a:fontRef>
+        </p:style>
+      </p:cxnSp>
+      <p:cxnSp>
+        <p:nvCxnSpPr>
+          <p:cNvPr id="77" name="Straight Connector 76"/>
+          <p:cNvCxnSpPr/>
+          <p:nvPr/>
+        </p:nvCxnSpPr>
+        <p:spPr>
+          <a:xfrm flipH="1">
+            <a:off x="4150518" y="6607953"/>
+            <a:ext cx="212934" cy="0"/>
+          </a:xfrm>
+          <a:prstGeom prst="line">
+            <a:avLst/>
+          </a:prstGeom>
+          <a:ln>
+            <a:solidFill>
+              <a:schemeClr val="tx1"/>
+            </a:solidFill>
+          </a:ln>
+        </p:spPr>
+        <p:style>
+          <a:lnRef idx="1">
+            <a:schemeClr val="accent1"/>
+          </a:lnRef>
+          <a:fillRef idx="0">
+            <a:schemeClr val="accent1"/>
+          </a:fillRef>
+          <a:effectRef idx="0">
+            <a:schemeClr val="accent1"/>
+          </a:effectRef>
+          <a:fontRef idx="minor">
+            <a:schemeClr val="tx1"/>
+          </a:fontRef>
+        </p:style>
+      </p:cxnSp>
+      <p:cxnSp>
+        <p:nvCxnSpPr>
+          <p:cNvPr id="21" name="Straight Connector 20"/>
+          <p:cNvCxnSpPr/>
+          <p:nvPr/>
+        </p:nvCxnSpPr>
+        <p:spPr>
+          <a:xfrm flipV="1">
+            <a:off x="9829737" y="6448425"/>
+            <a:ext cx="0" cy="159532"/>
+          </a:xfrm>
+          <a:prstGeom prst="line">
+            <a:avLst/>
+          </a:prstGeom>
+          <a:ln>
+            <a:solidFill>
+              <a:schemeClr val="tx1"/>
+            </a:solidFill>
+          </a:ln>
+        </p:spPr>
+        <p:style>
+          <a:lnRef idx="1">
+            <a:schemeClr val="accent1"/>
+          </a:lnRef>
+          <a:fillRef idx="0">
+            <a:schemeClr val="accent1"/>
+          </a:fillRef>
+          <a:effectRef idx="0">
+            <a:schemeClr val="accent1"/>
+          </a:effectRef>
+          <a:fontRef idx="minor">
+            <a:schemeClr val="tx1"/>
+          </a:fontRef>
+        </p:style>
+      </p:cxnSp>
+      <p:cxnSp>
+        <p:nvCxnSpPr>
+          <p:cNvPr id="20" name="Straight Connector 19"/>
+          <p:cNvCxnSpPr/>
+          <p:nvPr/>
+        </p:nvCxnSpPr>
+        <p:spPr>
+          <a:xfrm flipH="1">
+            <a:off x="8003004" y="871487"/>
+            <a:ext cx="1826733" cy="0"/>
+          </a:xfrm>
+          <a:prstGeom prst="line">
+            <a:avLst/>
+          </a:prstGeom>
+          <a:ln>
+            <a:solidFill>
+              <a:schemeClr val="tx1"/>
+            </a:solidFill>
+          </a:ln>
+        </p:spPr>
+        <p:style>
+          <a:lnRef idx="1">
+            <a:schemeClr val="accent1"/>
+          </a:lnRef>
+          <a:fillRef idx="0">
+            <a:schemeClr val="accent1"/>
+          </a:fillRef>
+          <a:effectRef idx="0">
+            <a:schemeClr val="accent1"/>
+          </a:effectRef>
+          <a:fontRef idx="minor">
+            <a:schemeClr val="tx1"/>
+          </a:fontRef>
+        </p:style>
+      </p:cxnSp>
     </p:spTree>
     <p:extLst>
       <p:ext uri="{BB962C8B-B14F-4D97-AF65-F5344CB8AC3E}">
-        <p14:creationId xmlns:p14="http://schemas.microsoft.com/office/powerpoint/2010/main" val="3665753289"/>
+        <p14:creationId xmlns:p14="http://schemas.microsoft.com/office/powerpoint/2010/main" val="1335239301"/>
       </p:ext>
     </p:extLst>
   </p:cSld>
@@ -5168,7 +5695,6 @@
               <a:rPr lang="en-US" dirty="0"/>
               <a:t>():</a:t>
             </a:r>
-            <a:endParaRPr lang="en-US" dirty="0"/>
           </a:p>
         </p:txBody>
       </p:sp>
